--- a/Presentation1.pptx
+++ b/Presentation1.pptx
@@ -14973,9 +14973,16 @@
             <p:ph idx="1"/>
           </p:nvPr>
         </p:nvSpPr>
-        <p:spPr/>
+        <p:spPr>
+          <a:xfrm>
+            <a:off x="0" y="2603500"/>
+            <a:ext cx="12192000" cy="3416300"/>
+          </a:xfrm>
+        </p:spPr>
         <p:txBody>
-          <a:bodyPr/>
+          <a:bodyPr>
+            <a:normAutofit/>
+          </a:bodyPr>
           <a:lstStyle/>
           <a:p>
             <a:pPr marL="0" indent="0">
@@ -14987,13 +14994,37 @@
             <a:pPr marL="0" indent="0">
               <a:buNone/>
             </a:pPr>
-            <a:endParaRPr lang="en-US" dirty="0" smtClean="0"/>
+            <a:endParaRPr lang="en-US" dirty="0">
+              <a:hlinkClick r:id="rId2"/>
+            </a:endParaRPr>
           </a:p>
           <a:p>
             <a:pPr marL="0" indent="0">
               <a:buNone/>
             </a:pPr>
-            <a:endParaRPr lang="en-US" dirty="0" smtClean="0"/>
+            <a:r>
+              <a:rPr lang="en-US" sz="2800" b="1" dirty="0" smtClean="0">
+                <a:hlinkClick r:id="rId2"/>
+              </a:rPr>
+              <a:t>https://github.com/anandswami001/Steganography_with_GUI</a:t>
+            </a:r>
+            <a:endParaRPr lang="en-US" sz="2800" b="1" dirty="0" smtClean="0"/>
+          </a:p>
+          <a:p>
+            <a:pPr marL="0" indent="0">
+              <a:buNone/>
+            </a:pPr>
+            <a:endParaRPr lang="en-US" sz="2800" b="1" dirty="0"/>
+          </a:p>
+          <a:p>
+            <a:pPr marL="0" indent="0">
+              <a:buNone/>
+            </a:pPr>
+            <a:r>
+              <a:rPr lang="en-US" sz="2800" b="1" dirty="0"/>
+              <a:t>https://github.com/anandswami001/Steganography_with_GUI</a:t>
+            </a:r>
+            <a:endParaRPr lang="en-US" sz="2800" b="1" dirty="0" smtClean="0"/>
           </a:p>
           <a:p>
             <a:pPr marL="0" indent="0">
